--- a/fuentes/contenidos/grado06/guion07/MA_06_07_CO_MapaConceptual.pptx
+++ b/fuentes/contenidos/grado06/guion07/MA_06_07_CO_MapaConceptual.pptx
@@ -243,7 +243,7 @@
           <a:p>
             <a:fld id="{C764DE79-268F-4C1A-8933-263129D2AF90}" type="datetimeFigureOut">
               <a:rPr lang="en-US" dirty="0"/>
-              <a:t>1/3/2016</a:t>
+              <a:t>2/15/2016</a:t>
             </a:fld>
             <a:endParaRPr lang="en-US" dirty="0"/>
           </a:p>
@@ -413,7 +413,7 @@
           <a:p>
             <a:fld id="{C764DE79-268F-4C1A-8933-263129D2AF90}" type="datetimeFigureOut">
               <a:rPr lang="en-US" dirty="0"/>
-              <a:t>1/3/2016</a:t>
+              <a:t>2/15/2016</a:t>
             </a:fld>
             <a:endParaRPr lang="en-US" dirty="0"/>
           </a:p>
@@ -593,7 +593,7 @@
           <a:p>
             <a:fld id="{C764DE79-268F-4C1A-8933-263129D2AF90}" type="datetimeFigureOut">
               <a:rPr lang="en-US" dirty="0"/>
-              <a:t>1/3/2016</a:t>
+              <a:t>2/15/2016</a:t>
             </a:fld>
             <a:endParaRPr lang="en-US" dirty="0"/>
           </a:p>
@@ -681,13 +681,6 @@
   <p:clrMapOvr>
     <a:masterClrMapping/>
   </p:clrMapOvr>
-  <p:timing>
-    <p:tnLst>
-      <p:par>
-        <p:cTn id="1" dur="indefinite" restart="never" nodeType="tmRoot"/>
-      </p:par>
-    </p:tnLst>
-  </p:timing>
 </p:sldLayout>
 </file>
 
@@ -718,13 +711,6 @@
   <p:clrMapOvr>
     <a:masterClrMapping/>
   </p:clrMapOvr>
-  <p:timing>
-    <p:tnLst>
-      <p:par>
-        <p:cTn id="1" dur="indefinite" restart="never" nodeType="tmRoot"/>
-      </p:par>
-    </p:tnLst>
-  </p:timing>
 </p:sldLayout>
 </file>
 
@@ -755,13 +741,6 @@
   <p:clrMapOvr>
     <a:masterClrMapping/>
   </p:clrMapOvr>
-  <p:timing>
-    <p:tnLst>
-      <p:par>
-        <p:cTn id="1" dur="indefinite" restart="never" nodeType="tmRoot"/>
-      </p:par>
-    </p:tnLst>
-  </p:timing>
 </p:sldLayout>
 </file>
 
@@ -792,13 +771,6 @@
   <p:clrMapOvr>
     <a:masterClrMapping/>
   </p:clrMapOvr>
-  <p:timing>
-    <p:tnLst>
-      <p:par>
-        <p:cTn id="1" dur="indefinite" restart="never" nodeType="tmRoot"/>
-      </p:par>
-    </p:tnLst>
-  </p:timing>
 </p:sldLayout>
 </file>
 
@@ -829,13 +801,6 @@
   <p:clrMapOvr>
     <a:masterClrMapping/>
   </p:clrMapOvr>
-  <p:timing>
-    <p:tnLst>
-      <p:par>
-        <p:cTn id="1" dur="indefinite" restart="never" nodeType="tmRoot"/>
-      </p:par>
-    </p:tnLst>
-  </p:timing>
 </p:sldLayout>
 </file>
 
@@ -866,13 +831,6 @@
   <p:clrMapOvr>
     <a:masterClrMapping/>
   </p:clrMapOvr>
-  <p:timing>
-    <p:tnLst>
-      <p:par>
-        <p:cTn id="1" dur="indefinite" restart="never" nodeType="tmRoot"/>
-      </p:par>
-    </p:tnLst>
-  </p:timing>
 </p:sldLayout>
 </file>
 
@@ -903,13 +861,6 @@
   <p:clrMapOvr>
     <a:masterClrMapping/>
   </p:clrMapOvr>
-  <p:timing>
-    <p:tnLst>
-      <p:par>
-        <p:cTn id="1" dur="indefinite" restart="never" nodeType="tmRoot"/>
-      </p:par>
-    </p:tnLst>
-  </p:timing>
 </p:sldLayout>
 </file>
 
@@ -940,13 +891,6 @@
   <p:clrMapOvr>
     <a:masterClrMapping/>
   </p:clrMapOvr>
-  <p:timing>
-    <p:tnLst>
-      <p:par>
-        <p:cTn id="1" dur="indefinite" restart="never" nodeType="tmRoot"/>
-      </p:par>
-    </p:tnLst>
-  </p:timing>
 </p:sldLayout>
 </file>
 
@@ -1059,7 +1003,7 @@
           <a:p>
             <a:fld id="{C764DE79-268F-4C1A-8933-263129D2AF90}" type="datetimeFigureOut">
               <a:rPr lang="en-US" dirty="0"/>
-              <a:t>1/3/2016</a:t>
+              <a:t>2/15/2016</a:t>
             </a:fld>
             <a:endParaRPr lang="en-US" dirty="0"/>
           </a:p>
@@ -1147,13 +1091,6 @@
   <p:clrMapOvr>
     <a:masterClrMapping/>
   </p:clrMapOvr>
-  <p:timing>
-    <p:tnLst>
-      <p:par>
-        <p:cTn id="1" dur="indefinite" restart="never" nodeType="tmRoot"/>
-      </p:par>
-    </p:tnLst>
-  </p:timing>
 </p:sldLayout>
 </file>
 
@@ -1184,13 +1121,6 @@
   <p:clrMapOvr>
     <a:masterClrMapping/>
   </p:clrMapOvr>
-  <p:timing>
-    <p:tnLst>
-      <p:par>
-        <p:cTn id="1" dur="indefinite" restart="never" nodeType="tmRoot"/>
-      </p:par>
-    </p:tnLst>
-  </p:timing>
 </p:sldLayout>
 </file>
 
@@ -1379,7 +1309,7 @@
           <a:p>
             <a:fld id="{C764DE79-268F-4C1A-8933-263129D2AF90}" type="datetimeFigureOut">
               <a:rPr lang="en-US" dirty="0"/>
-              <a:t>1/3/2016</a:t>
+              <a:t>2/15/2016</a:t>
             </a:fld>
             <a:endParaRPr lang="en-US" dirty="0"/>
           </a:p>
@@ -1611,7 +1541,7 @@
           <a:p>
             <a:fld id="{C764DE79-268F-4C1A-8933-263129D2AF90}" type="datetimeFigureOut">
               <a:rPr lang="en-US" dirty="0"/>
-              <a:t>1/3/2016</a:t>
+              <a:t>2/15/2016</a:t>
             </a:fld>
             <a:endParaRPr lang="en-US" dirty="0"/>
           </a:p>
@@ -1978,7 +1908,7 @@
           <a:p>
             <a:fld id="{C764DE79-268F-4C1A-8933-263129D2AF90}" type="datetimeFigureOut">
               <a:rPr lang="en-US" dirty="0"/>
-              <a:t>1/3/2016</a:t>
+              <a:t>2/15/2016</a:t>
             </a:fld>
             <a:endParaRPr lang="en-US" dirty="0"/>
           </a:p>
@@ -2096,7 +2026,7 @@
           <a:p>
             <a:fld id="{C764DE79-268F-4C1A-8933-263129D2AF90}" type="datetimeFigureOut">
               <a:rPr lang="en-US" dirty="0"/>
-              <a:t>1/3/2016</a:t>
+              <a:t>2/15/2016</a:t>
             </a:fld>
             <a:endParaRPr lang="en-US" dirty="0"/>
           </a:p>
@@ -2191,7 +2121,7 @@
           <a:p>
             <a:fld id="{5001C876-01F7-4317-94B9-1AE222133113}" type="datetimeFigureOut">
               <a:rPr lang="es-ES" smtClean="0"/>
-              <a:t>03/01/2016</a:t>
+              <a:t>15/02/2016</a:t>
             </a:fld>
             <a:endParaRPr lang="es-ES"/>
           </a:p>
@@ -2468,7 +2398,7 @@
           <a:p>
             <a:fld id="{C764DE79-268F-4C1A-8933-263129D2AF90}" type="datetimeFigureOut">
               <a:rPr lang="en-US" dirty="0"/>
-              <a:t>1/3/2016</a:t>
+              <a:t>2/15/2016</a:t>
             </a:fld>
             <a:endParaRPr lang="en-US" dirty="0"/>
           </a:p>
@@ -2725,7 +2655,7 @@
           <a:p>
             <a:fld id="{C764DE79-268F-4C1A-8933-263129D2AF90}" type="datetimeFigureOut">
               <a:rPr lang="en-US" dirty="0"/>
-              <a:t>1/3/2016</a:t>
+              <a:t>2/15/2016</a:t>
             </a:fld>
             <a:endParaRPr lang="en-US" dirty="0"/>
           </a:p>
@@ -2938,7 +2868,7 @@
           <a:p>
             <a:fld id="{C764DE79-268F-4C1A-8933-263129D2AF90}" type="datetimeFigureOut">
               <a:rPr lang="en-US" dirty="0"/>
-              <a:t>1/3/2016</a:t>
+              <a:t>2/15/2016</a:t>
             </a:fld>
             <a:endParaRPr lang="en-US" dirty="0"/>
           </a:p>
@@ -3484,7 +3414,7 @@
         </p:nvSpPr>
         <p:spPr>
           <a:xfrm>
-            <a:off x="1029821" y="2400333"/>
+            <a:off x="612029" y="2400333"/>
             <a:ext cx="1679137" cy="439782"/>
           </a:xfrm>
           <a:prstGeom prst="rect">
@@ -3550,8 +3480,8 @@
         </p:nvCxnSpPr>
         <p:spPr>
           <a:xfrm rot="5400000">
-            <a:off x="3703546" y="-426727"/>
-            <a:ext cx="596128" cy="4310906"/>
+            <a:off x="3506475" y="-623798"/>
+            <a:ext cx="596128" cy="4705049"/>
           </a:xfrm>
           <a:prstGeom prst="bentConnector3">
             <a:avLst/>
@@ -3585,8 +3515,8 @@
         </p:nvSpPr>
         <p:spPr>
           <a:xfrm>
-            <a:off x="1304672" y="2960087"/>
-            <a:ext cx="1122431" cy="230832"/>
+            <a:off x="902647" y="2960087"/>
+            <a:ext cx="1102700" cy="230830"/>
           </a:xfrm>
           <a:prstGeom prst="rect">
             <a:avLst/>
@@ -3624,9 +3554,9 @@
           <p:nvPr/>
         </p:nvCxnSpPr>
         <p:spPr>
-          <a:xfrm rot="5400000">
-            <a:off x="1807653" y="2898350"/>
-            <a:ext cx="119972" cy="3502"/>
+          <a:xfrm rot="16200000" flipH="1">
+            <a:off x="1392811" y="2898901"/>
+            <a:ext cx="119972" cy="2399"/>
           </a:xfrm>
           <a:prstGeom prst="bentConnector3">
             <a:avLst>
@@ -3662,7 +3592,7 @@
         </p:nvSpPr>
         <p:spPr>
           <a:xfrm>
-            <a:off x="1096008" y="3314285"/>
+            <a:off x="614917" y="3314285"/>
             <a:ext cx="669987" cy="357473"/>
           </a:xfrm>
           <a:prstGeom prst="rect">
@@ -3722,14 +3652,13 @@
         <p:nvCxnSpPr>
           <p:cNvPr id="117" name="Conector angular 116"/>
           <p:cNvCxnSpPr>
-            <a:stCxn id="114" idx="2"/>
             <a:endCxn id="116" idx="0"/>
           </p:cNvCxnSpPr>
           <p:nvPr/>
         </p:nvCxnSpPr>
         <p:spPr>
           <a:xfrm rot="5400000">
-            <a:off x="1586762" y="3035159"/>
+            <a:off x="1105671" y="3035159"/>
             <a:ext cx="123366" cy="434886"/>
           </a:xfrm>
           <a:prstGeom prst="bentConnector3">
@@ -3769,8 +3698,8 @@
         </p:nvCxnSpPr>
         <p:spPr>
           <a:xfrm rot="5400000" flipH="1" flipV="1">
-            <a:off x="8663811" y="2138094"/>
-            <a:ext cx="164023" cy="376538"/>
+            <a:off x="9148605" y="2047442"/>
+            <a:ext cx="164023" cy="557842"/>
           </a:xfrm>
           <a:prstGeom prst="bentConnector3">
             <a:avLst>
@@ -3806,7 +3735,7 @@
         </p:nvSpPr>
         <p:spPr>
           <a:xfrm>
-            <a:off x="1284941" y="2026790"/>
+            <a:off x="890798" y="2026790"/>
             <a:ext cx="1122431" cy="230832"/>
           </a:xfrm>
           <a:prstGeom prst="rect">
@@ -3845,9 +3774,9 @@
           <p:nvPr/>
         </p:nvCxnSpPr>
         <p:spPr>
-          <a:xfrm rot="16200000" flipH="1">
-            <a:off x="1786418" y="2317360"/>
-            <a:ext cx="142711" cy="23233"/>
+          <a:xfrm rot="5400000">
+            <a:off x="1380451" y="2328769"/>
+            <a:ext cx="142711" cy="416"/>
           </a:xfrm>
           <a:prstGeom prst="bentConnector3">
             <a:avLst>
@@ -3883,7 +3812,7 @@
         </p:nvSpPr>
         <p:spPr>
           <a:xfrm>
-            <a:off x="4456981" y="2416795"/>
+            <a:off x="4914184" y="2416795"/>
             <a:ext cx="1588655" cy="439782"/>
           </a:xfrm>
           <a:prstGeom prst="rect">
@@ -3948,9 +3877,9 @@
           <p:nvPr/>
         </p:nvCxnSpPr>
         <p:spPr>
-          <a:xfrm rot="5400000">
-            <a:off x="5633141" y="1505362"/>
-            <a:ext cx="598623" cy="449223"/>
+          <a:xfrm rot="16200000" flipH="1">
+            <a:off x="5861742" y="1725983"/>
+            <a:ext cx="598623" cy="7980"/>
           </a:xfrm>
           <a:prstGeom prst="bentConnector3">
             <a:avLst/>
@@ -3984,7 +3913,7 @@
         </p:nvSpPr>
         <p:spPr>
           <a:xfrm>
-            <a:off x="5557655" y="4455564"/>
+            <a:off x="5844167" y="4597458"/>
             <a:ext cx="561217" cy="230832"/>
           </a:xfrm>
           <a:prstGeom prst="rect">
@@ -4024,8 +3953,8 @@
         </p:nvCxnSpPr>
         <p:spPr>
           <a:xfrm rot="5400000">
-            <a:off x="5762684" y="4342008"/>
-            <a:ext cx="189137" cy="37975"/>
+            <a:off x="6058722" y="4529553"/>
+            <a:ext cx="133960" cy="1851"/>
           </a:xfrm>
           <a:prstGeom prst="bentConnector3">
             <a:avLst>
@@ -4053,68 +3982,6 @@
           </a:fontRef>
         </p:style>
       </p:cxnSp>
-      <p:sp>
-        <p:nvSpPr>
-          <p:cNvPr id="155" name="Rectángulo 154" descr="Nodo de quinto nivel" title="Nodo05"/>
-          <p:cNvSpPr/>
-          <p:nvPr/>
-        </p:nvSpPr>
-        <p:spPr>
-          <a:xfrm>
-            <a:off x="3739484" y="7169879"/>
-            <a:ext cx="1118927" cy="353519"/>
-          </a:xfrm>
-          <a:prstGeom prst="rect">
-            <a:avLst/>
-          </a:prstGeom>
-          <a:solidFill>
-            <a:schemeClr val="bg1"/>
-          </a:solidFill>
-          <a:ln>
-            <a:solidFill>
-              <a:schemeClr val="tx1"/>
-            </a:solidFill>
-          </a:ln>
-        </p:spPr>
-        <p:style>
-          <a:lnRef idx="2">
-            <a:schemeClr val="accent6"/>
-          </a:lnRef>
-          <a:fillRef idx="1">
-            <a:schemeClr val="lt1"/>
-          </a:fillRef>
-          <a:effectRef idx="0">
-            <a:schemeClr val="accent6"/>
-          </a:effectRef>
-          <a:fontRef idx="minor">
-            <a:schemeClr val="dk1"/>
-          </a:fontRef>
-        </p:style>
-        <p:txBody>
-          <a:bodyPr rtlCol="0" anchor="ctr"/>
-          <a:lstStyle/>
-          <a:p>
-            <a:pPr algn="ctr"/>
-            <a:r>
-              <a:rPr lang="es-ES" sz="900" dirty="0" smtClean="0">
-                <a:solidFill>
-                  <a:schemeClr val="tx1"/>
-                </a:solidFill>
-                <a:latin typeface="Arial" panose="020B0604020202020204" pitchFamily="34" charset="0"/>
-                <a:cs typeface="Arial" panose="020B0604020202020204" pitchFamily="34" charset="0"/>
-              </a:rPr>
-              <a:t>nodo de quinto nivel</a:t>
-            </a:r>
-            <a:endParaRPr lang="es-ES" sz="900" dirty="0">
-              <a:solidFill>
-                <a:schemeClr val="tx1"/>
-              </a:solidFill>
-              <a:latin typeface="Arial" panose="020B0604020202020204" pitchFamily="34" charset="0"/>
-              <a:cs typeface="Arial" panose="020B0604020202020204" pitchFamily="34" charset="0"/>
-            </a:endParaRPr>
-          </a:p>
-        </p:txBody>
-      </p:sp>
       <p:cxnSp>
         <p:nvCxnSpPr>
           <p:cNvPr id="159" name="Conector angular 158"/>
@@ -4126,8 +3993,8 @@
         </p:nvCxnSpPr>
         <p:spPr>
           <a:xfrm rot="5400000">
-            <a:off x="5323622" y="4384658"/>
-            <a:ext cx="212904" cy="816381"/>
+            <a:off x="5849440" y="4757968"/>
+            <a:ext cx="205015" cy="345658"/>
           </a:xfrm>
           <a:prstGeom prst="bentConnector3">
             <a:avLst>
@@ -4155,45 +4022,6 @@
           </a:fontRef>
         </p:style>
       </p:cxnSp>
-      <p:cxnSp>
-        <p:nvCxnSpPr>
-          <p:cNvPr id="167" name="Conector angular 166"/>
-          <p:cNvCxnSpPr>
-            <a:endCxn id="155" idx="2"/>
-          </p:cNvCxnSpPr>
-          <p:nvPr/>
-        </p:nvCxnSpPr>
-        <p:spPr>
-          <a:xfrm rot="5400000" flipH="1" flipV="1">
-            <a:off x="4218779" y="7602691"/>
-            <a:ext cx="159461" cy="877"/>
-          </a:xfrm>
-          <a:prstGeom prst="bentConnector3">
-            <a:avLst>
-              <a:gd name="adj1" fmla="val 50000"/>
-            </a:avLst>
-          </a:prstGeom>
-          <a:ln w="12700">
-            <a:solidFill>
-              <a:schemeClr val="tx1"/>
-            </a:solidFill>
-          </a:ln>
-        </p:spPr>
-        <p:style>
-          <a:lnRef idx="1">
-            <a:schemeClr val="accent1"/>
-          </a:lnRef>
-          <a:fillRef idx="0">
-            <a:schemeClr val="accent1"/>
-          </a:fillRef>
-          <a:effectRef idx="0">
-            <a:schemeClr val="accent1"/>
-          </a:effectRef>
-          <a:fontRef idx="minor">
-            <a:schemeClr val="tx1"/>
-          </a:fontRef>
-        </p:style>
-      </p:cxnSp>
       <p:sp>
         <p:nvSpPr>
           <p:cNvPr id="171" name="CuadroTexto 170" descr="Conector entre nodos" title="conector"/>
@@ -4202,7 +4030,7 @@
         </p:nvSpPr>
         <p:spPr>
           <a:xfrm>
-            <a:off x="5146624" y="2029285"/>
+            <a:off x="5603827" y="2029285"/>
             <a:ext cx="1122431" cy="230832"/>
           </a:xfrm>
           <a:prstGeom prst="rect">
@@ -4242,7 +4070,7 @@
         </p:nvCxnSpPr>
         <p:spPr>
           <a:xfrm rot="5400000">
-            <a:off x="5401236" y="2110191"/>
+            <a:off x="5858439" y="2110191"/>
             <a:ext cx="156678" cy="456531"/>
           </a:xfrm>
           <a:prstGeom prst="bentConnector3">
@@ -4279,7 +4107,7 @@
         </p:nvSpPr>
         <p:spPr>
           <a:xfrm>
-            <a:off x="6157675" y="2416795"/>
+            <a:off x="6614878" y="2416795"/>
             <a:ext cx="1588655" cy="439782"/>
           </a:xfrm>
           <a:prstGeom prst="rect">
@@ -4345,7 +4173,7 @@
         </p:nvCxnSpPr>
         <p:spPr>
           <a:xfrm rot="16200000" flipH="1">
-            <a:off x="6251582" y="1716374"/>
+            <a:off x="6708785" y="1716374"/>
             <a:ext cx="156678" cy="1244163"/>
           </a:xfrm>
           <a:prstGeom prst="bentConnector3">
@@ -4382,7 +4210,7 @@
         </p:nvSpPr>
         <p:spPr>
           <a:xfrm>
-            <a:off x="6395495" y="3035107"/>
+            <a:off x="6497974" y="3035107"/>
             <a:ext cx="1122431" cy="230832"/>
           </a:xfrm>
           <a:prstGeom prst="rect">
@@ -4421,9 +4249,9 @@
           <p:nvPr/>
         </p:nvCxnSpPr>
         <p:spPr>
-          <a:xfrm rot="16200000" flipH="1">
-            <a:off x="6865092" y="2943488"/>
-            <a:ext cx="178530" cy="4708"/>
+          <a:xfrm rot="5400000">
+            <a:off x="7144933" y="2770834"/>
+            <a:ext cx="178530" cy="350016"/>
           </a:xfrm>
           <a:prstGeom prst="bentConnector3">
             <a:avLst>
@@ -4459,8 +4287,8 @@
         </p:nvSpPr>
         <p:spPr>
           <a:xfrm>
-            <a:off x="5580324" y="3389305"/>
-            <a:ext cx="1124746" cy="357473"/>
+            <a:off x="5889141" y="3389305"/>
+            <a:ext cx="1057044" cy="357473"/>
           </a:xfrm>
           <a:prstGeom prst="rect">
             <a:avLst/>
@@ -4533,8 +4361,8 @@
         </p:nvSpPr>
         <p:spPr>
           <a:xfrm>
-            <a:off x="6950336" y="3389305"/>
-            <a:ext cx="1124746" cy="357473"/>
+            <a:off x="7209508" y="3389305"/>
+            <a:ext cx="994025" cy="357473"/>
           </a:xfrm>
           <a:prstGeom prst="rect">
             <a:avLst/>
@@ -4597,7 +4425,7 @@
         </p:nvSpPr>
         <p:spPr>
           <a:xfrm>
-            <a:off x="5615720" y="3922986"/>
+            <a:off x="5866108" y="4120057"/>
             <a:ext cx="521037" cy="343441"/>
           </a:xfrm>
           <a:prstGeom prst="rect">
@@ -4661,7 +4489,7 @@
         </p:nvSpPr>
         <p:spPr>
           <a:xfrm>
-            <a:off x="1908823" y="3314285"/>
+            <a:off x="1625809" y="3314285"/>
             <a:ext cx="669987" cy="357473"/>
           </a:xfrm>
           <a:prstGeom prst="rect">
@@ -4721,14 +4549,13 @@
         <p:nvCxnSpPr>
           <p:cNvPr id="295" name="Conector angular 294"/>
           <p:cNvCxnSpPr>
-            <a:stCxn id="114" idx="2"/>
             <a:endCxn id="294" idx="0"/>
           </p:cNvCxnSpPr>
           <p:nvPr/>
         </p:nvCxnSpPr>
         <p:spPr>
           <a:xfrm rot="16200000" flipH="1">
-            <a:off x="1993169" y="3063637"/>
+            <a:off x="1710155" y="3063637"/>
             <a:ext cx="123366" cy="377929"/>
           </a:xfrm>
           <a:prstGeom prst="bentConnector3">
@@ -4765,8 +4592,8 @@
         </p:nvSpPr>
         <p:spPr>
           <a:xfrm>
-            <a:off x="6219842" y="3922986"/>
-            <a:ext cx="521037" cy="343441"/>
+            <a:off x="6449173" y="4120057"/>
+            <a:ext cx="493326" cy="343441"/>
           </a:xfrm>
           <a:prstGeom prst="rect">
             <a:avLst/>
@@ -4832,8 +4659,8 @@
         </p:nvCxnSpPr>
         <p:spPr>
           <a:xfrm rot="5400000">
-            <a:off x="5921364" y="3701653"/>
-            <a:ext cx="176208" cy="266458"/>
+            <a:off x="6085506" y="3787899"/>
+            <a:ext cx="373279" cy="291036"/>
           </a:xfrm>
           <a:prstGeom prst="bentConnector3">
             <a:avLst>
@@ -4872,8 +4699,8 @@
         </p:nvCxnSpPr>
         <p:spPr>
           <a:xfrm rot="16200000" flipH="1">
-            <a:off x="6223425" y="3666050"/>
-            <a:ext cx="176208" cy="337664"/>
+            <a:off x="6370110" y="3794330"/>
+            <a:ext cx="373279" cy="278173"/>
           </a:xfrm>
           <a:prstGeom prst="bentConnector3">
             <a:avLst>
@@ -4912,8 +4739,8 @@
         </p:nvCxnSpPr>
         <p:spPr>
           <a:xfrm rot="5400000">
-            <a:off x="6488021" y="2920615"/>
-            <a:ext cx="123366" cy="814014"/>
+            <a:off x="6676744" y="3006859"/>
+            <a:ext cx="123366" cy="641527"/>
           </a:xfrm>
           <a:prstGeom prst="bentConnector3">
             <a:avLst>
@@ -4952,8 +4779,8 @@
         </p:nvCxnSpPr>
         <p:spPr>
           <a:xfrm rot="16200000" flipH="1">
-            <a:off x="7173027" y="3049623"/>
-            <a:ext cx="123366" cy="555998"/>
+            <a:off x="7321172" y="3003956"/>
+            <a:ext cx="123366" cy="647331"/>
           </a:xfrm>
           <a:prstGeom prst="bentConnector3">
             <a:avLst>
@@ -4989,8 +4816,8 @@
         </p:nvSpPr>
         <p:spPr>
           <a:xfrm>
-            <a:off x="3858526" y="4899300"/>
-            <a:ext cx="2326713" cy="555594"/>
+            <a:off x="5171090" y="5033305"/>
+            <a:ext cx="1216055" cy="1091595"/>
           </a:xfrm>
           <a:prstGeom prst="rect">
             <a:avLst/>
@@ -5031,20 +4858,10 @@
                 <a:latin typeface="Arial" panose="020B0604020202020204" pitchFamily="34" charset="0"/>
                 <a:cs typeface="Arial" panose="020B0604020202020204" pitchFamily="34" charset="0"/>
               </a:rPr>
-              <a:t>el período no </a:t>
-            </a:r>
-            <a:r>
-              <a:rPr lang="es-CO" sz="900">
-                <a:solidFill>
-                  <a:schemeClr val="tx1"/>
-                </a:solidFill>
-                <a:latin typeface="Arial" panose="020B0604020202020204" pitchFamily="34" charset="0"/>
-                <a:cs typeface="Arial" panose="020B0604020202020204" pitchFamily="34" charset="0"/>
-              </a:rPr>
-              <a:t>empieza </a:t>
-            </a:r>
-            <a:r>
-              <a:rPr lang="es-CO" sz="900" smtClean="0">
+              <a:t>el período no empieza </a:t>
+            </a:r>
+            <a:r>
+              <a:rPr lang="es-CO" sz="900" dirty="0" smtClean="0">
                 <a:solidFill>
                   <a:schemeClr val="tx1"/>
                 </a:solidFill>
@@ -5081,8 +4898,8 @@
         </p:nvSpPr>
         <p:spPr>
           <a:xfrm>
-            <a:off x="6204828" y="4464397"/>
-            <a:ext cx="561217" cy="230832"/>
+            <a:off x="6394308" y="4606291"/>
+            <a:ext cx="611115" cy="230832"/>
           </a:xfrm>
           <a:prstGeom prst="rect">
             <a:avLst/>
@@ -5121,8 +4938,8 @@
         </p:nvCxnSpPr>
         <p:spPr>
           <a:xfrm rot="16200000" flipH="1">
-            <a:off x="6383914" y="4362874"/>
-            <a:ext cx="197970" cy="5076"/>
+            <a:off x="6626455" y="4532879"/>
+            <a:ext cx="142793" cy="4030"/>
           </a:xfrm>
           <a:prstGeom prst="bentConnector3">
             <a:avLst>
@@ -5161,8 +4978,8 @@
         </p:nvCxnSpPr>
         <p:spPr>
           <a:xfrm rot="16200000" flipH="1">
-            <a:off x="6665411" y="4515255"/>
-            <a:ext cx="204071" cy="564018"/>
+            <a:off x="6666512" y="4870476"/>
+            <a:ext cx="196183" cy="129475"/>
           </a:xfrm>
           <a:prstGeom prst="bentConnector3">
             <a:avLst>
@@ -5198,8 +5015,8 @@
         </p:nvSpPr>
         <p:spPr>
           <a:xfrm>
-            <a:off x="6303148" y="4899300"/>
-            <a:ext cx="1492613" cy="414684"/>
+            <a:off x="6449173" y="5033306"/>
+            <a:ext cx="760335" cy="1091594"/>
           </a:xfrm>
           <a:prstGeom prst="rect">
             <a:avLst/>
@@ -5260,8 +5077,8 @@
         </p:nvSpPr>
         <p:spPr>
           <a:xfrm>
-            <a:off x="7234544" y="3810611"/>
-            <a:ext cx="561217" cy="230832"/>
+            <a:off x="7209508" y="3810611"/>
+            <a:ext cx="992505" cy="230832"/>
           </a:xfrm>
           <a:prstGeom prst="rect">
             <a:avLst/>
@@ -5299,9 +5116,9 @@
           <p:nvPr/>
         </p:nvCxnSpPr>
         <p:spPr>
-          <a:xfrm rot="16200000" flipH="1">
-            <a:off x="7482015" y="3777472"/>
-            <a:ext cx="63833" cy="2444"/>
+          <a:xfrm rot="5400000">
+            <a:off x="7674225" y="3778314"/>
+            <a:ext cx="63833" cy="760"/>
           </a:xfrm>
           <a:prstGeom prst="bentConnector3">
             <a:avLst>
@@ -5340,8 +5157,8 @@
         </p:nvCxnSpPr>
         <p:spPr>
           <a:xfrm rot="16200000" flipH="1">
-            <a:off x="7475773" y="4080823"/>
-            <a:ext cx="79254" cy="494"/>
+            <a:off x="7667404" y="4079799"/>
+            <a:ext cx="79254" cy="2541"/>
           </a:xfrm>
           <a:prstGeom prst="bentConnector3">
             <a:avLst>
@@ -5377,8 +5194,8 @@
         </p:nvSpPr>
         <p:spPr>
           <a:xfrm>
-            <a:off x="6954431" y="4120697"/>
-            <a:ext cx="1122431" cy="353519"/>
+            <a:off x="7213071" y="4120697"/>
+            <a:ext cx="990462" cy="353519"/>
           </a:xfrm>
           <a:prstGeom prst="rect">
             <a:avLst/>
@@ -5441,7 +5258,7 @@
         </p:nvSpPr>
         <p:spPr>
           <a:xfrm>
-            <a:off x="8372875" y="2013519"/>
+            <a:off x="8948321" y="2013519"/>
             <a:ext cx="1122431" cy="230832"/>
           </a:xfrm>
           <a:prstGeom prst="rect">
@@ -5481,8 +5298,8 @@
         </p:nvCxnSpPr>
         <p:spPr>
           <a:xfrm rot="16200000" flipH="1">
-            <a:off x="7254149" y="333576"/>
-            <a:ext cx="582857" cy="2777028"/>
+            <a:off x="7541872" y="45853"/>
+            <a:ext cx="582857" cy="3352474"/>
           </a:xfrm>
           <a:prstGeom prst="bentConnector3">
             <a:avLst/>
@@ -5516,7 +5333,7 @@
         </p:nvSpPr>
         <p:spPr>
           <a:xfrm>
-            <a:off x="8068050" y="2408374"/>
+            <a:off x="8462192" y="2408374"/>
             <a:ext cx="979005" cy="439782"/>
           </a:xfrm>
           <a:prstGeom prst="rect">
@@ -5579,7 +5396,7 @@
         </p:nvSpPr>
         <p:spPr>
           <a:xfrm>
-            <a:off x="9100157" y="2408374"/>
+            <a:off x="9494299" y="2408374"/>
             <a:ext cx="1183153" cy="439782"/>
           </a:xfrm>
           <a:prstGeom prst="rect">
@@ -5645,8 +5462,8 @@
         </p:nvCxnSpPr>
         <p:spPr>
           <a:xfrm rot="16200000" flipH="1">
-            <a:off x="9230901" y="1947540"/>
-            <a:ext cx="164023" cy="757643"/>
+            <a:off x="9715695" y="2038192"/>
+            <a:ext cx="164023" cy="576339"/>
           </a:xfrm>
           <a:prstGeom prst="bentConnector3">
             <a:avLst>
@@ -5685,8 +5502,8 @@
         </p:nvCxnSpPr>
         <p:spPr>
           <a:xfrm rot="16200000" flipH="1">
-            <a:off x="8182609" y="-594884"/>
-            <a:ext cx="582857" cy="4633948"/>
+            <a:off x="8433684" y="-845960"/>
+            <a:ext cx="580575" cy="5133817"/>
           </a:xfrm>
           <a:prstGeom prst="bentConnector3">
             <a:avLst>
@@ -5722,8 +5539,8 @@
         </p:nvSpPr>
         <p:spPr>
           <a:xfrm>
-            <a:off x="10367104" y="2408374"/>
-            <a:ext cx="917375" cy="439782"/>
+            <a:off x="10778798" y="2408374"/>
+            <a:ext cx="1027737" cy="439782"/>
           </a:xfrm>
           <a:prstGeom prst="rect">
             <a:avLst/>
@@ -5785,8 +5602,8 @@
         </p:nvSpPr>
         <p:spPr>
           <a:xfrm>
-            <a:off x="9651626" y="2977808"/>
-            <a:ext cx="1122431" cy="230832"/>
+            <a:off x="11043277" y="2960087"/>
+            <a:ext cx="497082" cy="230832"/>
           </a:xfrm>
           <a:prstGeom prst="rect">
             <a:avLst/>
@@ -5822,7 +5639,7 @@
         </p:nvSpPr>
         <p:spPr>
           <a:xfrm>
-            <a:off x="8822504" y="3332006"/>
+            <a:off x="9591238" y="3387187"/>
             <a:ext cx="1124746" cy="357473"/>
           </a:xfrm>
           <a:prstGeom prst="rect">
@@ -5889,8 +5706,8 @@
         </p:nvCxnSpPr>
         <p:spPr>
           <a:xfrm rot="5400000">
-            <a:off x="9737177" y="2856341"/>
-            <a:ext cx="123366" cy="827965"/>
+            <a:off x="10624581" y="2719950"/>
+            <a:ext cx="196268" cy="1138207"/>
           </a:xfrm>
           <a:prstGeom prst="bentConnector3">
             <a:avLst>
@@ -5926,7 +5743,7 @@
         </p:nvSpPr>
         <p:spPr>
           <a:xfrm>
-            <a:off x="8821322" y="3887741"/>
+            <a:off x="9590056" y="3942922"/>
             <a:ext cx="1122431" cy="728973"/>
           </a:xfrm>
           <a:prstGeom prst="rect">
@@ -6000,8 +5817,8 @@
         </p:nvSpPr>
         <p:spPr>
           <a:xfrm>
-            <a:off x="10229795" y="2013519"/>
-            <a:ext cx="1122431" cy="230832"/>
+            <a:off x="10777011" y="2011237"/>
+            <a:ext cx="1027737" cy="230832"/>
           </a:xfrm>
           <a:prstGeom prst="rect">
             <a:avLst/>
@@ -6040,8 +5857,8 @@
         </p:nvCxnSpPr>
         <p:spPr>
           <a:xfrm rot="16200000" flipH="1">
-            <a:off x="10726390" y="2308971"/>
-            <a:ext cx="164023" cy="34781"/>
+            <a:off x="11208621" y="2324327"/>
+            <a:ext cx="166305" cy="1787"/>
           </a:xfrm>
           <a:prstGeom prst="bentConnector3">
             <a:avLst>
@@ -6077,8 +5894,8 @@
         </p:nvSpPr>
         <p:spPr>
           <a:xfrm>
-            <a:off x="10263419" y="3332006"/>
-            <a:ext cx="1124746" cy="357473"/>
+            <a:off x="10830985" y="3387187"/>
+            <a:ext cx="1123539" cy="357473"/>
           </a:xfrm>
           <a:prstGeom prst="rect">
             <a:avLst/>
@@ -6144,8 +5961,8 @@
         </p:nvCxnSpPr>
         <p:spPr>
           <a:xfrm rot="16200000" flipH="1">
-            <a:off x="10457634" y="2963848"/>
-            <a:ext cx="123366" cy="612950"/>
+            <a:off x="11244152" y="3238584"/>
+            <a:ext cx="196268" cy="100937"/>
           </a:xfrm>
           <a:prstGeom prst="bentConnector3">
             <a:avLst>
@@ -6181,7 +5998,7 @@
         </p:nvSpPr>
         <p:spPr>
           <a:xfrm>
-            <a:off x="10265734" y="3891605"/>
+            <a:off x="10833300" y="3946786"/>
             <a:ext cx="1122431" cy="728973"/>
           </a:xfrm>
           <a:prstGeom prst="rect">
@@ -6248,8 +6065,8 @@
         </p:nvCxnSpPr>
         <p:spPr>
           <a:xfrm rot="5400000">
-            <a:off x="10454491" y="2606507"/>
-            <a:ext cx="129652" cy="612950"/>
+            <a:off x="11236278" y="2903697"/>
+            <a:ext cx="111931" cy="849"/>
           </a:xfrm>
           <a:prstGeom prst="bentConnector3">
             <a:avLst>
@@ -6285,8 +6102,8 @@
         </p:nvSpPr>
         <p:spPr>
           <a:xfrm>
-            <a:off x="2858719" y="2413407"/>
-            <a:ext cx="1370354" cy="439782"/>
+            <a:off x="2489921" y="2413407"/>
+            <a:ext cx="2137641" cy="439782"/>
           </a:xfrm>
           <a:prstGeom prst="rect">
             <a:avLst/>
@@ -6348,8 +6165,8 @@
         </p:nvSpPr>
         <p:spPr>
           <a:xfrm>
-            <a:off x="2710717" y="3327359"/>
-            <a:ext cx="669987" cy="357473"/>
+            <a:off x="2489921" y="3327359"/>
+            <a:ext cx="1024200" cy="357473"/>
           </a:xfrm>
           <a:prstGeom prst="rect">
             <a:avLst/>
@@ -6415,8 +6232,8 @@
         </p:nvCxnSpPr>
         <p:spPr>
           <a:xfrm rot="5400000">
-            <a:off x="3057719" y="2841182"/>
-            <a:ext cx="474170" cy="498185"/>
+            <a:off x="3043297" y="2811914"/>
+            <a:ext cx="474170" cy="556721"/>
           </a:xfrm>
           <a:prstGeom prst="bentConnector3">
             <a:avLst>
@@ -6452,8 +6269,8 @@
         </p:nvSpPr>
         <p:spPr>
           <a:xfrm>
-            <a:off x="2810894" y="2032714"/>
-            <a:ext cx="1441751" cy="230832"/>
+            <a:off x="2858126" y="2032714"/>
+            <a:ext cx="1408379" cy="230832"/>
           </a:xfrm>
           <a:prstGeom prst="rect">
             <a:avLst/>
@@ -6491,9 +6308,9 @@
           <p:nvPr/>
         </p:nvCxnSpPr>
         <p:spPr>
-          <a:xfrm rot="16200000" flipH="1">
-            <a:off x="3462903" y="2332413"/>
-            <a:ext cx="149861" cy="12126"/>
+          <a:xfrm rot="5400000">
+            <a:off x="3485599" y="2336689"/>
+            <a:ext cx="149861" cy="3574"/>
           </a:xfrm>
           <a:prstGeom prst="bentConnector3">
             <a:avLst>
@@ -6529,8 +6346,8 @@
         </p:nvSpPr>
         <p:spPr>
           <a:xfrm>
-            <a:off x="3523532" y="3327359"/>
-            <a:ext cx="669987" cy="357473"/>
+            <a:off x="3611481" y="3327359"/>
+            <a:ext cx="1016082" cy="357473"/>
           </a:xfrm>
           <a:prstGeom prst="rect">
             <a:avLst/>
@@ -6596,8 +6413,8 @@
         </p:nvCxnSpPr>
         <p:spPr>
           <a:xfrm rot="16200000" flipH="1">
-            <a:off x="3464126" y="2932959"/>
-            <a:ext cx="474170" cy="314630"/>
+            <a:off x="3602047" y="2809884"/>
+            <a:ext cx="474170" cy="560780"/>
           </a:xfrm>
           <a:prstGeom prst="bentConnector3">
             <a:avLst>
@@ -6633,7 +6450,7 @@
         </p:nvSpPr>
         <p:spPr>
           <a:xfrm>
-            <a:off x="2364622" y="3913775"/>
+            <a:off x="2490750" y="3913775"/>
             <a:ext cx="1016082" cy="832333"/>
           </a:xfrm>
           <a:prstGeom prst="rect">
@@ -6742,7 +6559,7 @@
         </p:nvSpPr>
         <p:spPr>
           <a:xfrm>
-            <a:off x="3485352" y="3913775"/>
+            <a:off x="3611480" y="3913775"/>
             <a:ext cx="1016082" cy="832333"/>
           </a:xfrm>
           <a:prstGeom prst="rect">
@@ -6864,8 +6681,8 @@
         </p:nvCxnSpPr>
         <p:spPr>
           <a:xfrm rot="5400000">
-            <a:off x="2844716" y="3712779"/>
-            <a:ext cx="228943" cy="173048"/>
+            <a:off x="2885935" y="3797688"/>
+            <a:ext cx="228943" cy="3230"/>
           </a:xfrm>
           <a:prstGeom prst="bentConnector3">
             <a:avLst>
@@ -6903,9 +6720,9 @@
           <p:nvPr/>
         </p:nvCxnSpPr>
         <p:spPr>
-          <a:xfrm rot="16200000" flipH="1">
-            <a:off x="3811488" y="3731869"/>
-            <a:ext cx="228943" cy="134867"/>
+          <a:xfrm rot="5400000">
+            <a:off x="4005051" y="3799303"/>
+            <a:ext cx="228943" cy="1"/>
           </a:xfrm>
           <a:prstGeom prst="bentConnector3">
             <a:avLst>
@@ -6944,8 +6761,8 @@
         </p:nvCxnSpPr>
         <p:spPr>
           <a:xfrm rot="16200000" flipH="1">
-            <a:off x="10725308" y="3789963"/>
-            <a:ext cx="202126" cy="1158"/>
+            <a:off x="11292572" y="3844842"/>
+            <a:ext cx="202126" cy="1761"/>
           </a:xfrm>
           <a:prstGeom prst="bentConnector3">
             <a:avLst>
@@ -6984,7 +6801,7 @@
         </p:nvCxnSpPr>
         <p:spPr>
           <a:xfrm rot="5400000">
-            <a:off x="9284577" y="3787441"/>
+            <a:off x="10053311" y="3842622"/>
             <a:ext cx="198262" cy="2339"/>
           </a:xfrm>
           <a:prstGeom prst="bentConnector3">
@@ -7024,8 +6841,8 @@
         </p:nvCxnSpPr>
         <p:spPr>
           <a:xfrm rot="5400000">
-            <a:off x="4543391" y="419042"/>
-            <a:ext cx="602052" cy="2625293"/>
+            <a:off x="4558664" y="434315"/>
+            <a:ext cx="602052" cy="2594747"/>
           </a:xfrm>
           <a:prstGeom prst="bentConnector3">
             <a:avLst>
@@ -7063,13 +6880,6 @@
   <p:clrMapOvr>
     <a:masterClrMapping/>
   </p:clrMapOvr>
-  <p:timing>
-    <p:tnLst>
-      <p:par>
-        <p:cTn id="1" dur="indefinite" restart="never" nodeType="tmRoot"/>
-      </p:par>
-    </p:tnLst>
-  </p:timing>
 </p:sld>
 </file>
 
